--- a/01_BrasBeta/01_BrasBeta.pptx
+++ b/01_BrasBeta/01_BrasBeta.pptx
@@ -126,6 +126,9 @@
         </p15:guide>
       </p15:sldGuideLst>
     </p:ext>
+    <p:ext uri="{2D200454-40CA-4A62-9FC3-DE9A4176ACB9}">
+      <p15:notesGuideLst xmlns:p15="http://schemas.microsoft.com/office/powerpoint/2012/main"/>
+    </p:ext>
   </p:extLst>
 </p:presentation>
 </file>
@@ -212,7 +215,7 @@
           <a:p>
             <a:fld id="{D157349C-AD05-44FA-B790-D9BBD62C4832}" type="datetimeFigureOut">
               <a:rPr lang="fr-FR" smtClean="0"/>
-              <a:t>01/04/2023</a:t>
+              <a:t>02/04/2023</a:t>
             </a:fld>
             <a:endParaRPr lang="fr-FR"/>
           </a:p>
@@ -724,7 +727,7 @@
           <a:p>
             <a:fld id="{CCF538C2-C309-4752-87A7-D2071D6CAC7F}" type="datetime1">
               <a:rPr lang="fr-FR" smtClean="0"/>
-              <a:t>01/04/2023</a:t>
+              <a:t>02/04/2023</a:t>
             </a:fld>
             <a:endParaRPr lang="fr-FR"/>
           </a:p>
@@ -929,7 +932,7 @@
           <a:p>
             <a:fld id="{F926C4FD-C1E6-452C-A858-BFBBC7496631}" type="datetime1">
               <a:rPr lang="fr-FR" smtClean="0"/>
-              <a:t>01/04/2023</a:t>
+              <a:t>02/04/2023</a:t>
             </a:fld>
             <a:endParaRPr lang="fr-FR"/>
           </a:p>
@@ -1185,7 +1188,7 @@
           <a:p>
             <a:fld id="{CEF75A8D-5F26-4754-844B-E2D9F6FC4950}" type="datetime1">
               <a:rPr lang="fr-FR" smtClean="0"/>
-              <a:t>01/04/2023</a:t>
+              <a:t>02/04/2023</a:t>
             </a:fld>
             <a:endParaRPr lang="fr-FR"/>
           </a:p>
@@ -1359,7 +1362,7 @@
           <a:p>
             <a:fld id="{FE352A31-E2A5-4F8A-BDFE-A9BA369B67E9}" type="datetime1">
               <a:rPr lang="fr-FR" smtClean="0"/>
-              <a:t>01/04/2023</a:t>
+              <a:t>02/04/2023</a:t>
             </a:fld>
             <a:endParaRPr lang="fr-FR"/>
           </a:p>
@@ -1721,7 +1724,7 @@
           <a:p>
             <a:fld id="{F1707E18-E4F4-4E6D-951C-B01FC69E66C0}" type="datetime1">
               <a:rPr lang="fr-FR" smtClean="0"/>
-              <a:t>01/04/2023</a:t>
+              <a:t>02/04/2023</a:t>
             </a:fld>
             <a:endParaRPr lang="fr-FR"/>
           </a:p>
@@ -1996,7 +1999,7 @@
           <a:p>
             <a:fld id="{93E4B9C8-F394-498B-8C66-049FACC1ED86}" type="datetime1">
               <a:rPr lang="fr-FR" smtClean="0"/>
-              <a:t>01/04/2023</a:t>
+              <a:t>02/04/2023</a:t>
             </a:fld>
             <a:endParaRPr lang="fr-FR"/>
           </a:p>
@@ -2375,7 +2378,7 @@
           <a:p>
             <a:fld id="{35950896-C41B-455D-9FAE-80943DD0CAEF}" type="datetime1">
               <a:rPr lang="fr-FR" smtClean="0"/>
-              <a:t>01/04/2023</a:t>
+              <a:t>02/04/2023</a:t>
             </a:fld>
             <a:endParaRPr lang="fr-FR"/>
           </a:p>
@@ -2493,7 +2496,7 @@
           <a:p>
             <a:fld id="{2BE2B735-22CE-433C-8BA6-DF0B28588E1F}" type="datetime1">
               <a:rPr lang="fr-FR" smtClean="0"/>
-              <a:t>01/04/2023</a:t>
+              <a:t>02/04/2023</a:t>
             </a:fld>
             <a:endParaRPr lang="fr-FR"/>
           </a:p>
@@ -2667,7 +2670,7 @@
           <a:p>
             <a:fld id="{5B475E59-9936-4413-84C5-14169665FDED}" type="datetime1">
               <a:rPr lang="fr-FR" smtClean="0"/>
-              <a:t>01/04/2023</a:t>
+              <a:t>02/04/2023</a:t>
             </a:fld>
             <a:endParaRPr lang="fr-FR"/>
           </a:p>
@@ -3024,7 +3027,7 @@
           <a:p>
             <a:fld id="{42662320-E9E6-45B0-8B93-5727AA5FFC46}" type="datetime1">
               <a:rPr lang="fr-FR" smtClean="0"/>
-              <a:t>01/04/2023</a:t>
+              <a:t>02/04/2023</a:t>
             </a:fld>
             <a:endParaRPr lang="fr-FR"/>
           </a:p>
@@ -3409,7 +3412,7 @@
           <a:p>
             <a:fld id="{9A545382-D50F-43E8-AFFD-788FD552C87C}" type="datetime1">
               <a:rPr lang="fr-FR" smtClean="0"/>
-              <a:t>01/04/2023</a:t>
+              <a:t>02/04/2023</a:t>
             </a:fld>
             <a:endParaRPr lang="fr-FR"/>
           </a:p>
@@ -3699,7 +3702,7 @@
           <a:p>
             <a:fld id="{4F030BD8-D1C7-406A-AB04-4944ABBF0A3E}" type="datetime1">
               <a:rPr lang="fr-FR" smtClean="0"/>
-              <a:t>01/04/2023</a:t>
+              <a:t>02/04/2023</a:t>
             </a:fld>
             <a:endParaRPr lang="fr-FR" dirty="0"/>
           </a:p>
@@ -4371,7 +4374,7 @@
           <a:p>
             <a:r>
               <a:rPr lang="fr-FR" dirty="0"/>
-              <a:t>Mise en service du BGR</a:t>
+              <a:t>Mise en service du Bras Beta</a:t>
             </a:r>
           </a:p>
         </p:txBody>
@@ -4987,7 +4990,7 @@
           <a:p>
             <a:r>
               <a:rPr lang="fr-FR" dirty="0"/>
-              <a:t>Axe Boule</a:t>
+              <a:t>Axe Rotation</a:t>
             </a:r>
           </a:p>
         </p:txBody>
@@ -5145,18 +5148,6 @@
               <a:t>Codeur incrémental</a:t>
             </a:r>
           </a:p>
-          <a:p>
-            <a:pPr algn="ctr"/>
-            <a:r>
-              <a:rPr lang="fr-FR" sz="1200" dirty="0">
-                <a:solidFill>
-                  <a:srgbClr val="004F77"/>
-                </a:solidFill>
-                <a:latin typeface="Arial Nova" panose="020B0504020202020204" pitchFamily="34" charset="0"/>
-              </a:rPr>
-              <a:t>Inclinomètre</a:t>
-            </a:r>
-          </a:p>
         </p:txBody>
       </p:sp>
       <p:sp>
@@ -5280,8 +5271,23 @@
                 </a:solidFill>
                 <a:latin typeface="Arial Nova" panose="020B0504020202020204" pitchFamily="34" charset="0"/>
               </a:rPr>
-              <a:t>Carte de commande EPOS</a:t>
-            </a:r>
+              <a:t>Microcontrôleur </a:t>
+            </a:r>
+            <a:r>
+              <a:rPr lang="fr-FR" sz="1200" dirty="0" err="1">
+                <a:solidFill>
+                  <a:srgbClr val="0C7391"/>
+                </a:solidFill>
+                <a:latin typeface="Arial Nova" panose="020B0504020202020204" pitchFamily="34" charset="0"/>
+              </a:rPr>
+              <a:t>myRIO</a:t>
+            </a:r>
+            <a:endParaRPr lang="fr-FR" sz="1200" dirty="0">
+              <a:solidFill>
+                <a:srgbClr val="0C7391"/>
+              </a:solidFill>
+              <a:latin typeface="Arial Nova" panose="020B0504020202020204" pitchFamily="34" charset="0"/>
+            </a:endParaRPr>
           </a:p>
         </p:txBody>
       </p:sp>
@@ -6020,36 +6026,6 @@
       </p:grpSp>
       <p:pic>
         <p:nvPicPr>
-          <p:cNvPr id="25" name="Image 24">
-            <a:extLst>
-              <a:ext uri="{FF2B5EF4-FFF2-40B4-BE49-F238E27FC236}">
-                <a16:creationId xmlns:a16="http://schemas.microsoft.com/office/drawing/2014/main" id="{A13EB412-2158-6E43-F61D-10A890CB249A}"/>
-              </a:ext>
-            </a:extLst>
-          </p:cNvPr>
-          <p:cNvPicPr>
-            <a:picLocks noChangeAspect="1"/>
-          </p:cNvPicPr>
-          <p:nvPr/>
-        </p:nvPicPr>
-        <p:blipFill>
-          <a:blip r:embed="rId3"/>
-          <a:stretch>
-            <a:fillRect/>
-          </a:stretch>
-        </p:blipFill>
-        <p:spPr>
-          <a:xfrm>
-            <a:off x="1912117" y="1919446"/>
-            <a:ext cx="360000" cy="360000"/>
-          </a:xfrm>
-          <a:prstGeom prst="rect">
-            <a:avLst/>
-          </a:prstGeom>
-        </p:spPr>
-      </p:pic>
-      <p:pic>
-        <p:nvPicPr>
           <p:cNvPr id="26" name="Image 25">
             <a:extLst>
               <a:ext uri="{FF2B5EF4-FFF2-40B4-BE49-F238E27FC236}">
@@ -6063,7 +6039,7 @@
           <p:nvPr/>
         </p:nvPicPr>
         <p:blipFill>
-          <a:blip r:embed="rId4"/>
+          <a:blip r:embed="rId3"/>
           <a:stretch>
             <a:fillRect/>
           </a:stretch>
@@ -6122,109 +6098,6 @@
           </a:fontRef>
         </p:style>
       </p:cxnSp>
-      <p:grpSp>
-        <p:nvGrpSpPr>
-          <p:cNvPr id="29" name="Groupe 28">
-            <a:extLst>
-              <a:ext uri="{FF2B5EF4-FFF2-40B4-BE49-F238E27FC236}">
-                <a16:creationId xmlns:a16="http://schemas.microsoft.com/office/drawing/2014/main" id="{3C6620C6-C80C-691B-34DC-9B69D891504D}"/>
-              </a:ext>
-            </a:extLst>
-          </p:cNvPr>
-          <p:cNvGrpSpPr/>
-          <p:nvPr/>
-        </p:nvGrpSpPr>
-        <p:grpSpPr>
-          <a:xfrm rot="5400000">
-            <a:off x="3758894" y="1943516"/>
-            <a:ext cx="360000" cy="360000"/>
-            <a:chOff x="5013689" y="3604429"/>
-            <a:chExt cx="1800000" cy="1800000"/>
-          </a:xfrm>
-        </p:grpSpPr>
-        <p:sp>
-          <p:nvSpPr>
-            <p:cNvPr id="30" name="Ellipse 29">
-              <a:extLst>
-                <a:ext uri="{FF2B5EF4-FFF2-40B4-BE49-F238E27FC236}">
-                  <a16:creationId xmlns:a16="http://schemas.microsoft.com/office/drawing/2014/main" id="{C6775BDF-7651-0D6D-298D-DBF1313263D4}"/>
-                </a:ext>
-              </a:extLst>
-            </p:cNvPr>
-            <p:cNvSpPr/>
-            <p:nvPr/>
-          </p:nvSpPr>
-          <p:spPr>
-            <a:xfrm>
-              <a:off x="5013689" y="3604429"/>
-              <a:ext cx="1800000" cy="1800000"/>
-            </a:xfrm>
-            <a:prstGeom prst="ellipse">
-              <a:avLst/>
-            </a:prstGeom>
-            <a:solidFill>
-              <a:srgbClr val="00547F"/>
-            </a:solidFill>
-            <a:ln>
-              <a:noFill/>
-            </a:ln>
-          </p:spPr>
-          <p:style>
-            <a:lnRef idx="2">
-              <a:schemeClr val="accent1">
-                <a:shade val="50000"/>
-              </a:schemeClr>
-            </a:lnRef>
-            <a:fillRef idx="1">
-              <a:schemeClr val="accent1"/>
-            </a:fillRef>
-            <a:effectRef idx="0">
-              <a:schemeClr val="accent1"/>
-            </a:effectRef>
-            <a:fontRef idx="minor">
-              <a:schemeClr val="lt1"/>
-            </a:fontRef>
-          </p:style>
-          <p:txBody>
-            <a:bodyPr rtlCol="0" anchor="ctr"/>
-            <a:lstStyle/>
-            <a:p>
-              <a:pPr algn="ctr"/>
-              <a:endParaRPr lang="fr-FR"/>
-            </a:p>
-          </p:txBody>
-        </p:sp>
-        <p:pic>
-          <p:nvPicPr>
-            <p:cNvPr id="31" name="Image 30">
-              <a:extLst>
-                <a:ext uri="{FF2B5EF4-FFF2-40B4-BE49-F238E27FC236}">
-                  <a16:creationId xmlns:a16="http://schemas.microsoft.com/office/drawing/2014/main" id="{B480C312-DAF5-11CE-F2FA-8632259DFD6B}"/>
-                </a:ext>
-              </a:extLst>
-            </p:cNvPr>
-            <p:cNvPicPr>
-              <a:picLocks noChangeAspect="1"/>
-            </p:cNvPicPr>
-            <p:nvPr/>
-          </p:nvPicPr>
-          <p:blipFill>
-            <a:blip r:embed="rId5"/>
-            <a:stretch>
-              <a:fillRect/>
-            </a:stretch>
-          </p:blipFill>
-          <p:spPr>
-            <a:xfrm>
-              <a:off x="5457424" y="3852621"/>
-              <a:ext cx="912531" cy="1303616"/>
-            </a:xfrm>
-            <a:prstGeom prst="rect">
-              <a:avLst/>
-            </a:prstGeom>
-          </p:spPr>
-        </p:pic>
-      </p:grpSp>
       <p:cxnSp>
         <p:nvCxnSpPr>
           <p:cNvPr id="32" name="Connecteur droit avec flèche 31">
@@ -6282,7 +6155,7 @@
           <p:nvPr/>
         </p:nvPicPr>
         <p:blipFill>
-          <a:blip r:embed="rId6"/>
+          <a:blip r:embed="rId4"/>
           <a:stretch>
             <a:fillRect/>
           </a:stretch>
@@ -6428,7 +6301,7 @@
             <p:nvPr/>
           </p:nvPicPr>
           <p:blipFill>
-            <a:blip r:embed="rId7"/>
+            <a:blip r:embed="rId5"/>
             <a:stretch>
               <a:fillRect/>
             </a:stretch>
@@ -6459,7 +6332,7 @@
           <p:nvPr/>
         </p:nvPicPr>
         <p:blipFill>
-          <a:blip r:embed="rId8"/>
+          <a:blip r:embed="rId6"/>
           <a:stretch>
             <a:fillRect/>
           </a:stretch>
@@ -6489,7 +6362,7 @@
           <p:nvPr/>
         </p:nvPicPr>
         <p:blipFill>
-          <a:blip r:embed="rId8"/>
+          <a:blip r:embed="rId6"/>
           <a:stretch>
             <a:fillRect/>
           </a:stretch>
@@ -6591,7 +6464,7 @@
             <p:nvPr/>
           </p:nvPicPr>
           <p:blipFill>
-            <a:blip r:embed="rId9"/>
+            <a:blip r:embed="rId7"/>
             <a:stretch>
               <a:fillRect/>
             </a:stretch>
@@ -6621,7 +6494,7 @@
             <p:nvPr/>
           </p:nvPicPr>
           <p:blipFill>
-            <a:blip r:embed="rId10"/>
+            <a:blip r:embed="rId8"/>
             <a:stretch>
               <a:fillRect/>
             </a:stretch>
@@ -6696,7 +6569,7 @@
           <p:nvPr/>
         </p:nvPicPr>
         <p:blipFill>
-          <a:blip r:embed="rId8"/>
+          <a:blip r:embed="rId6"/>
           <a:stretch>
             <a:fillRect/>
           </a:stretch>
@@ -6798,7 +6671,7 @@
             <p:nvPr/>
           </p:nvPicPr>
           <p:blipFill>
-            <a:blip r:embed="rId11"/>
+            <a:blip r:embed="rId9"/>
             <a:stretch>
               <a:fillRect/>
             </a:stretch>
@@ -6945,7 +6818,7 @@
             <p:nvPr/>
           </p:nvPicPr>
           <p:blipFill>
-            <a:blip r:embed="rId12"/>
+            <a:blip r:embed="rId10"/>
             <a:stretch>
               <a:fillRect/>
             </a:stretch>
@@ -6976,7 +6849,7 @@
           <p:nvPr/>
         </p:nvPicPr>
         <p:blipFill>
-          <a:blip r:embed="rId13"/>
+          <a:blip r:embed="rId11"/>
           <a:stretch>
             <a:fillRect/>
           </a:stretch>
@@ -7164,7 +7037,7 @@
           <p:nvPr/>
         </p:nvPicPr>
         <p:blipFill>
-          <a:blip r:embed="rId6"/>
+          <a:blip r:embed="rId4"/>
           <a:stretch>
             <a:fillRect/>
           </a:stretch>
@@ -7194,7 +7067,7 @@
           <p:nvPr/>
         </p:nvPicPr>
         <p:blipFill>
-          <a:blip r:embed="rId6"/>
+          <a:blip r:embed="rId4"/>
           <a:stretch>
             <a:fillRect/>
           </a:stretch>
@@ -7332,7 +7205,7 @@
           <p:nvPr/>
         </p:nvPicPr>
         <p:blipFill>
-          <a:blip r:embed="rId13"/>
+          <a:blip r:embed="rId11"/>
           <a:stretch>
             <a:fillRect/>
           </a:stretch>
@@ -7347,6 +7220,109 @@
           </a:prstGeom>
         </p:spPr>
       </p:pic>
+      <p:grpSp>
+        <p:nvGrpSpPr>
+          <p:cNvPr id="2" name="Groupe 1">
+            <a:extLst>
+              <a:ext uri="{FF2B5EF4-FFF2-40B4-BE49-F238E27FC236}">
+                <a16:creationId xmlns:a16="http://schemas.microsoft.com/office/drawing/2014/main" id="{1AEE2739-FA72-6125-0769-C608C7018360}"/>
+              </a:ext>
+            </a:extLst>
+          </p:cNvPr>
+          <p:cNvGrpSpPr/>
+          <p:nvPr/>
+        </p:nvGrpSpPr>
+        <p:grpSpPr>
+          <a:xfrm>
+            <a:off x="3770117" y="1925231"/>
+            <a:ext cx="360000" cy="360000"/>
+            <a:chOff x="6138169" y="4069439"/>
+            <a:chExt cx="1800000" cy="1800000"/>
+          </a:xfrm>
+        </p:grpSpPr>
+        <p:sp>
+          <p:nvSpPr>
+            <p:cNvPr id="3" name="Ellipse 2">
+              <a:extLst>
+                <a:ext uri="{FF2B5EF4-FFF2-40B4-BE49-F238E27FC236}">
+                  <a16:creationId xmlns:a16="http://schemas.microsoft.com/office/drawing/2014/main" id="{DAE465F2-29FD-C750-3881-C65C18B6B9B8}"/>
+                </a:ext>
+              </a:extLst>
+            </p:cNvPr>
+            <p:cNvSpPr/>
+            <p:nvPr/>
+          </p:nvSpPr>
+          <p:spPr>
+            <a:xfrm>
+              <a:off x="6138169" y="4069439"/>
+              <a:ext cx="1800000" cy="1800000"/>
+            </a:xfrm>
+            <a:prstGeom prst="ellipse">
+              <a:avLst/>
+            </a:prstGeom>
+            <a:solidFill>
+              <a:srgbClr val="00547F"/>
+            </a:solidFill>
+            <a:ln>
+              <a:noFill/>
+            </a:ln>
+          </p:spPr>
+          <p:style>
+            <a:lnRef idx="2">
+              <a:schemeClr val="accent1">
+                <a:shade val="50000"/>
+              </a:schemeClr>
+            </a:lnRef>
+            <a:fillRef idx="1">
+              <a:schemeClr val="accent1"/>
+            </a:fillRef>
+            <a:effectRef idx="0">
+              <a:schemeClr val="accent1"/>
+            </a:effectRef>
+            <a:fontRef idx="minor">
+              <a:schemeClr val="lt1"/>
+            </a:fontRef>
+          </p:style>
+          <p:txBody>
+            <a:bodyPr rtlCol="0" anchor="ctr"/>
+            <a:lstStyle/>
+            <a:p>
+              <a:pPr algn="ctr"/>
+              <a:endParaRPr lang="fr-FR"/>
+            </a:p>
+          </p:txBody>
+        </p:sp>
+        <p:pic>
+          <p:nvPicPr>
+            <p:cNvPr id="5" name="Image 4">
+              <a:extLst>
+                <a:ext uri="{FF2B5EF4-FFF2-40B4-BE49-F238E27FC236}">
+                  <a16:creationId xmlns:a16="http://schemas.microsoft.com/office/drawing/2014/main" id="{685B92F1-168B-E462-1257-69B9BAF77BC1}"/>
+                </a:ext>
+              </a:extLst>
+            </p:cNvPr>
+            <p:cNvPicPr>
+              <a:picLocks noChangeAspect="1"/>
+            </p:cNvPicPr>
+            <p:nvPr/>
+          </p:nvPicPr>
+          <p:blipFill>
+            <a:blip r:embed="rId12"/>
+            <a:stretch>
+              <a:fillRect/>
+            </a:stretch>
+          </p:blipFill>
+          <p:spPr>
+            <a:xfrm>
+              <a:off x="6243433" y="4174703"/>
+              <a:ext cx="1589472" cy="1589472"/>
+            </a:xfrm>
+            <a:prstGeom prst="rect">
+              <a:avLst/>
+            </a:prstGeom>
+          </p:spPr>
+        </p:pic>
+      </p:grpSp>
     </p:spTree>
     <p:extLst>
       <p:ext uri="{BB962C8B-B14F-4D97-AF65-F5344CB8AC3E}">
